--- a/data/pptx_template.pptx
+++ b/data/pptx_template.pptx
@@ -5,14 +5,13 @@
     <p:sldMasterId id="2147483648" r:id="rId1"/>
   </p:sldMasterIdLst>
   <p:notesMasterIdLst>
-    <p:notesMasterId r:id="rId4"/>
+    <p:notesMasterId r:id="rId3"/>
   </p:notesMasterIdLst>
   <p:handoutMasterIdLst>
-    <p:handoutMasterId r:id="rId5"/>
+    <p:handoutMasterId r:id="rId4"/>
   </p:handoutMasterIdLst>
   <p:sldIdLst>
     <p:sldId id="457" r:id="rId2"/>
-    <p:sldId id="458" r:id="rId3"/>
   </p:sldIdLst>
   <p:sldSz cx="9144000" cy="5143500" type="screen16x9"/>
   <p:notesSz cx="6858000" cy="9144000"/>
@@ -3643,74 +3642,6 @@
       </p:par>
     </p:tnLst>
   </p:timing>
-</p:sld>
-</file>
-
-<file path=ppt/slides/slide2.xml><?xml version="1.0" encoding="utf-8"?>
-<p:sld xmlns:a="http://schemas.openxmlformats.org/drawingml/2006/main" xmlns:r="http://schemas.openxmlformats.org/officeDocument/2006/relationships" xmlns:p="http://schemas.openxmlformats.org/presentationml/2006/main">
-  <p:cSld>
-    <p:spTree>
-      <p:nvGrpSpPr>
-        <p:cNvPr id="1" name=""/>
-        <p:cNvGrpSpPr/>
-        <p:nvPr/>
-      </p:nvGrpSpPr>
-      <p:grpSpPr>
-        <a:xfrm>
-          <a:off x="0" y="0"/>
-          <a:ext cx="0" cy="0"/>
-          <a:chOff x="0" y="0"/>
-          <a:chExt cx="0" cy="0"/>
-        </a:xfrm>
-      </p:grpSpPr>
-      <p:sp>
-        <p:nvSpPr>
-          <p:cNvPr id="2" name="標題 1"/>
-          <p:cNvSpPr>
-            <a:spLocks noGrp="1"/>
-          </p:cNvSpPr>
-          <p:nvPr>
-            <p:ph type="title"/>
-          </p:nvPr>
-        </p:nvSpPr>
-        <p:spPr/>
-        <p:txBody>
-          <a:bodyPr/>
-          <a:lstStyle/>
-          <a:p>
-            <a:endParaRPr kumimoji="1" lang="zh-TW" altLang="en-US"/>
-          </a:p>
-        </p:txBody>
-      </p:sp>
-      <p:sp>
-        <p:nvSpPr>
-          <p:cNvPr id="3" name="內容版面配置區 2"/>
-          <p:cNvSpPr>
-            <a:spLocks noGrp="1"/>
-          </p:cNvSpPr>
-          <p:nvPr>
-            <p:ph idx="1"/>
-          </p:nvPr>
-        </p:nvSpPr>
-        <p:spPr/>
-        <p:txBody>
-          <a:bodyPr/>
-          <a:lstStyle/>
-          <a:p>
-            <a:endParaRPr kumimoji="1" lang="zh-TW" altLang="en-US"/>
-          </a:p>
-        </p:txBody>
-      </p:sp>
-    </p:spTree>
-    <p:extLst>
-      <p:ext uri="{BB962C8B-B14F-4D97-AF65-F5344CB8AC3E}">
-        <p14:creationId xmlns:p14="http://schemas.microsoft.com/office/powerpoint/2010/main" val="2699760086"/>
-      </p:ext>
-    </p:extLst>
-  </p:cSld>
-  <p:clrMapOvr>
-    <a:masterClrMapping/>
-  </p:clrMapOvr>
 </p:sld>
 </file>
 

--- a/data/pptx_template.pptx
+++ b/data/pptx_template.pptx
@@ -3595,14 +3595,14 @@
           <a:p>
             <a:pPr algn="ctr"/>
             <a:r>
-              <a:rPr lang="zh-TW" altLang="zh-TW" sz="4400" b="1" dirty="0" smtClean="0"/>
+              <a:rPr lang="zh-TW" altLang="zh-TW" sz="3600" b="1" dirty="0" smtClean="0"/>
               <a:t>t</a:t>
             </a:r>
             <a:r>
-              <a:rPr lang="en-US" altLang="zh-TW" sz="4400" b="1" dirty="0" err="1" smtClean="0"/>
+              <a:rPr lang="en-US" altLang="zh-TW" sz="3600" b="1" dirty="0" err="1" smtClean="0"/>
               <a:t>itle</a:t>
             </a:r>
-            <a:endParaRPr lang="zh-TW" altLang="en-US" sz="4400" b="1" dirty="0"/>
+            <a:endParaRPr lang="zh-TW" altLang="en-US" sz="3600" b="1" dirty="0"/>
           </a:p>
         </p:txBody>
       </p:sp>
@@ -3616,7 +3616,12 @@
             <p:ph type="subTitle" idx="1"/>
           </p:nvPr>
         </p:nvSpPr>
-        <p:spPr/>
+        <p:spPr>
+          <a:xfrm>
+            <a:off x="1259632" y="3219822"/>
+            <a:ext cx="6400800" cy="1314450"/>
+          </a:xfrm>
+        </p:spPr>
         <p:txBody>
           <a:bodyPr/>
           <a:lstStyle/>
